--- a/Projet_6/p6_presentation.pptx
+++ b/Projet_6/p6_presentation.pptx
@@ -3257,7 +3257,7 @@
           <a:p>
             <a:fld id="{4771E3A2-6132-4759-8A78-76C831761E5C}" type="datetimeFigureOut">
               <a:rPr lang="fr-FR" smtClean="0"/>
-              <a:t>06/07/2018</a:t>
+              <a:t>07/07/2018</a:t>
             </a:fld>
             <a:endParaRPr lang="fr-FR"/>
           </a:p>
@@ -9247,13 +9247,13 @@
   <p:clrMapOvr>
     <a:masterClrMapping/>
   </p:clrMapOvr>
-  <mc:AlternateContent xmlns:mc="http://schemas.openxmlformats.org/markup-compatibility/2006">
-    <mc:Choice xmlns:p14="http://schemas.microsoft.com/office/powerpoint/2010/main" Requires="p14">
+  <mc:AlternateContent xmlns:mc="http://schemas.openxmlformats.org/markup-compatibility/2006" xmlns:p14="http://schemas.microsoft.com/office/powerpoint/2010/main">
+    <mc:Choice Requires="p14">
       <p:transition spd="med" p14:dur="700">
         <p:fade/>
       </p:transition>
     </mc:Choice>
-    <mc:Fallback>
+    <mc:Fallback xmlns="">
       <p:transition spd="med">
         <p:fade/>
       </p:transition>
@@ -10095,13 +10095,13 @@
   <p:clrMapOvr>
     <a:masterClrMapping/>
   </p:clrMapOvr>
-  <mc:AlternateContent xmlns:mc="http://schemas.openxmlformats.org/markup-compatibility/2006">
-    <mc:Choice xmlns:p14="http://schemas.microsoft.com/office/powerpoint/2010/main" Requires="p14">
+  <mc:AlternateContent xmlns:mc="http://schemas.openxmlformats.org/markup-compatibility/2006" xmlns:p14="http://schemas.microsoft.com/office/powerpoint/2010/main">
+    <mc:Choice Requires="p14">
       <p:transition spd="med" p14:dur="700">
         <p:fade/>
       </p:transition>
     </mc:Choice>
-    <mc:Fallback>
+    <mc:Fallback xmlns="">
       <p:transition spd="med">
         <p:fade/>
       </p:transition>
@@ -10885,13 +10885,13 @@
   <p:clrMapOvr>
     <a:masterClrMapping/>
   </p:clrMapOvr>
-  <mc:AlternateContent xmlns:mc="http://schemas.openxmlformats.org/markup-compatibility/2006">
-    <mc:Choice xmlns:p14="http://schemas.microsoft.com/office/powerpoint/2010/main" Requires="p14">
+  <mc:AlternateContent xmlns:mc="http://schemas.openxmlformats.org/markup-compatibility/2006" xmlns:p14="http://schemas.microsoft.com/office/powerpoint/2010/main">
+    <mc:Choice Requires="p14">
       <p:transition spd="med" p14:dur="700">
         <p:fade/>
       </p:transition>
     </mc:Choice>
-    <mc:Fallback>
+    <mc:Fallback xmlns="">
       <p:transition spd="med">
         <p:fade/>
       </p:transition>
@@ -11802,13 +11802,13 @@
   <p:clrMapOvr>
     <a:masterClrMapping/>
   </p:clrMapOvr>
-  <mc:AlternateContent xmlns:mc="http://schemas.openxmlformats.org/markup-compatibility/2006">
-    <mc:Choice xmlns:p14="http://schemas.microsoft.com/office/powerpoint/2010/main" Requires="p14">
+  <mc:AlternateContent xmlns:mc="http://schemas.openxmlformats.org/markup-compatibility/2006" xmlns:p14="http://schemas.microsoft.com/office/powerpoint/2010/main">
+    <mc:Choice Requires="p14">
       <p:transition spd="med" p14:dur="700">
         <p:fade/>
       </p:transition>
     </mc:Choice>
-    <mc:Fallback>
+    <mc:Fallback xmlns="">
       <p:transition spd="med">
         <p:fade/>
       </p:transition>
@@ -12681,13 +12681,13 @@
   <p:clrMapOvr>
     <a:masterClrMapping/>
   </p:clrMapOvr>
-  <mc:AlternateContent xmlns:mc="http://schemas.openxmlformats.org/markup-compatibility/2006">
-    <mc:Choice xmlns:p14="http://schemas.microsoft.com/office/powerpoint/2010/main" Requires="p14">
+  <mc:AlternateContent xmlns:mc="http://schemas.openxmlformats.org/markup-compatibility/2006" xmlns:p14="http://schemas.microsoft.com/office/powerpoint/2010/main">
+    <mc:Choice Requires="p14">
       <p:transition spd="med" p14:dur="700">
         <p:fade/>
       </p:transition>
     </mc:Choice>
-    <mc:Fallback>
+    <mc:Fallback xmlns="">
       <p:transition spd="med">
         <p:fade/>
       </p:transition>
@@ -13710,13 +13710,13 @@
   <p:clrMapOvr>
     <a:masterClrMapping/>
   </p:clrMapOvr>
-  <mc:AlternateContent xmlns:mc="http://schemas.openxmlformats.org/markup-compatibility/2006">
-    <mc:Choice xmlns:p14="http://schemas.microsoft.com/office/powerpoint/2010/main" Requires="p14">
+  <mc:AlternateContent xmlns:mc="http://schemas.openxmlformats.org/markup-compatibility/2006" xmlns:p14="http://schemas.microsoft.com/office/powerpoint/2010/main">
+    <mc:Choice Requires="p14">
       <p:transition spd="med" p14:dur="700">
         <p:fade/>
       </p:transition>
     </mc:Choice>
-    <mc:Fallback>
+    <mc:Fallback xmlns="">
       <p:transition spd="med">
         <p:fade/>
       </p:transition>
@@ -14725,13 +14725,13 @@
   <p:clrMapOvr>
     <a:masterClrMapping/>
   </p:clrMapOvr>
-  <mc:AlternateContent xmlns:mc="http://schemas.openxmlformats.org/markup-compatibility/2006">
-    <mc:Choice xmlns:p14="http://schemas.microsoft.com/office/powerpoint/2010/main" Requires="p14">
+  <mc:AlternateContent xmlns:mc="http://schemas.openxmlformats.org/markup-compatibility/2006" xmlns:p14="http://schemas.microsoft.com/office/powerpoint/2010/main">
+    <mc:Choice Requires="p14">
       <p:transition spd="med" p14:dur="700">
         <p:fade/>
       </p:transition>
     </mc:Choice>
-    <mc:Fallback>
+    <mc:Fallback xmlns="">
       <p:transition spd="med">
         <p:fade/>
       </p:transition>
@@ -15034,13 +15034,13 @@
   <p:clrMapOvr>
     <a:masterClrMapping/>
   </p:clrMapOvr>
-  <mc:AlternateContent xmlns:mc="http://schemas.openxmlformats.org/markup-compatibility/2006">
-    <mc:Choice xmlns:p14="http://schemas.microsoft.com/office/powerpoint/2010/main" Requires="p14">
+  <mc:AlternateContent xmlns:mc="http://schemas.openxmlformats.org/markup-compatibility/2006" xmlns:p14="http://schemas.microsoft.com/office/powerpoint/2010/main">
+    <mc:Choice Requires="p14">
       <p:transition spd="med" p14:dur="700">
         <p:fade/>
       </p:transition>
     </mc:Choice>
-    <mc:Fallback>
+    <mc:Fallback xmlns="">
       <p:transition spd="med">
         <p:fade/>
       </p:transition>
@@ -15282,13 +15282,13 @@
   <p:clrMapOvr>
     <a:masterClrMapping/>
   </p:clrMapOvr>
-  <mc:AlternateContent xmlns:mc="http://schemas.openxmlformats.org/markup-compatibility/2006">
-    <mc:Choice xmlns:p14="http://schemas.microsoft.com/office/powerpoint/2010/main" Requires="p14">
+  <mc:AlternateContent xmlns:mc="http://schemas.openxmlformats.org/markup-compatibility/2006" xmlns:p14="http://schemas.microsoft.com/office/powerpoint/2010/main">
+    <mc:Choice Requires="p14">
       <p:transition spd="med" p14:dur="700">
         <p:fade/>
       </p:transition>
     </mc:Choice>
-    <mc:Fallback>
+    <mc:Fallback xmlns="">
       <p:transition spd="med">
         <p:fade/>
       </p:transition>
@@ -16391,7 +16391,7 @@
         <p:spPr/>
         <p:txBody>
           <a:bodyPr>
-            <a:normAutofit fontScale="92500" lnSpcReduction="10000"/>
+            <a:normAutofit lnSpcReduction="10000"/>
           </a:bodyPr>
           <a:lstStyle/>
           <a:p>
@@ -16428,12 +16428,6 @@
             <a:r>
               <a:rPr lang="fr-FR" dirty="0"/>
               <a:t>la probabilité que le thème t dans le corpus soit assigné au mot w</a:t>
-            </a:r>
-          </a:p>
-          <a:p>
-            <a:r>
-              <a:rPr lang="fr-FR" dirty="0"/>
-              <a:t>Le nouveau thème est ensuite choisi.</a:t>
             </a:r>
           </a:p>
           <a:p>
@@ -16505,13 +16499,13 @@
   <p:clrMapOvr>
     <a:masterClrMapping/>
   </p:clrMapOvr>
-  <mc:AlternateContent xmlns:mc="http://schemas.openxmlformats.org/markup-compatibility/2006">
-    <mc:Choice xmlns:p14="http://schemas.microsoft.com/office/powerpoint/2010/main" Requires="p14">
+  <mc:AlternateContent xmlns:mc="http://schemas.openxmlformats.org/markup-compatibility/2006" xmlns:p14="http://schemas.microsoft.com/office/powerpoint/2010/main">
+    <mc:Choice Requires="p14">
       <p:transition spd="med" p14:dur="700">
         <p:fade/>
       </p:transition>
     </mc:Choice>
-    <mc:Fallback>
+    <mc:Fallback xmlns="">
       <p:transition spd="med">
         <p:fade/>
       </p:transition>
@@ -16767,70 +16761,21 @@
                             </p:childTnLst>
                           </p:cTn>
                         </p:par>
-                      </p:childTnLst>
-                    </p:cTn>
-                  </p:par>
-                  <p:par>
-                    <p:cTn id="23" fill="hold">
-                      <p:stCondLst>
-                        <p:cond delay="indefinite"/>
-                      </p:stCondLst>
-                      <p:childTnLst>
                         <p:par>
-                          <p:cTn id="24" fill="hold">
+                          <p:cTn id="23" fill="hold">
                             <p:stCondLst>
                               <p:cond delay="0"/>
                             </p:stCondLst>
                             <p:childTnLst>
                               <p:par>
-                                <p:cTn id="25" presetID="1" presetClass="entr" presetSubtype="0" fill="hold" nodeType="clickEffect">
+                                <p:cTn id="24" presetID="1" presetClass="entr" presetSubtype="0" fill="hold" grpId="0" nodeType="afterEffect">
                                   <p:stCondLst>
                                     <p:cond delay="0"/>
                                   </p:stCondLst>
                                   <p:childTnLst>
                                     <p:set>
                                       <p:cBhvr>
-                                        <p:cTn id="26" dur="1" fill="hold">
-                                          <p:stCondLst>
-                                            <p:cond delay="0"/>
-                                          </p:stCondLst>
-                                        </p:cTn>
-                                        <p:tgtEl>
-                                          <p:spTgt spid="3">
-                                            <p:txEl>
-                                              <p:pRg st="5" end="5"/>
-                                            </p:txEl>
-                                          </p:spTgt>
-                                        </p:tgtEl>
-                                        <p:attrNameLst>
-                                          <p:attrName>style.visibility</p:attrName>
-                                        </p:attrNameLst>
-                                      </p:cBhvr>
-                                      <p:to>
-                                        <p:strVal val="visible"/>
-                                      </p:to>
-                                    </p:set>
-                                  </p:childTnLst>
-                                </p:cTn>
-                              </p:par>
-                            </p:childTnLst>
-                          </p:cTn>
-                        </p:par>
-                        <p:par>
-                          <p:cTn id="27" fill="hold">
-                            <p:stCondLst>
-                              <p:cond delay="0"/>
-                            </p:stCondLst>
-                            <p:childTnLst>
-                              <p:par>
-                                <p:cTn id="28" presetID="1" presetClass="entr" presetSubtype="0" fill="hold" grpId="0" nodeType="afterEffect">
-                                  <p:stCondLst>
-                                    <p:cond delay="0"/>
-                                  </p:stCondLst>
-                                  <p:childTnLst>
-                                    <p:set>
-                                      <p:cBhvr>
-                                        <p:cTn id="29" dur="1" fill="hold">
+                                        <p:cTn id="25" dur="1" fill="hold">
                                           <p:stCondLst>
                                             <p:cond delay="0"/>
                                           </p:stCondLst>
@@ -16963,13 +16908,13 @@
   <p:clrMapOvr>
     <a:masterClrMapping/>
   </p:clrMapOvr>
-  <mc:AlternateContent xmlns:mc="http://schemas.openxmlformats.org/markup-compatibility/2006">
-    <mc:Choice xmlns:p14="http://schemas.microsoft.com/office/powerpoint/2010/main" Requires="p14">
+  <mc:AlternateContent xmlns:mc="http://schemas.openxmlformats.org/markup-compatibility/2006" xmlns:p14="http://schemas.microsoft.com/office/powerpoint/2010/main">
+    <mc:Choice Requires="p14">
       <p:transition spd="med" p14:dur="700">
         <p:fade/>
       </p:transition>
     </mc:Choice>
-    <mc:Fallback>
+    <mc:Fallback xmlns="">
       <p:transition spd="med">
         <p:fade/>
       </p:transition>
@@ -19332,13 +19277,13 @@
   <p:clrMapOvr>
     <a:masterClrMapping/>
   </p:clrMapOvr>
-  <mc:AlternateContent xmlns:mc="http://schemas.openxmlformats.org/markup-compatibility/2006">
-    <mc:Choice xmlns:p14="http://schemas.microsoft.com/office/powerpoint/2010/main" Requires="p14">
+  <mc:AlternateContent xmlns:mc="http://schemas.openxmlformats.org/markup-compatibility/2006" xmlns:p14="http://schemas.microsoft.com/office/powerpoint/2010/main">
+    <mc:Choice Requires="p14">
       <p:transition spd="med" p14:dur="700">
         <p:fade/>
       </p:transition>
     </mc:Choice>
-    <mc:Fallback>
+    <mc:Fallback xmlns="">
       <p:transition spd="med">
         <p:fade/>
       </p:transition>
@@ -20203,13 +20148,13 @@
   <p:clrMapOvr>
     <a:masterClrMapping/>
   </p:clrMapOvr>
-  <mc:AlternateContent xmlns:mc="http://schemas.openxmlformats.org/markup-compatibility/2006">
-    <mc:Choice xmlns:p14="http://schemas.microsoft.com/office/powerpoint/2010/main" Requires="p14">
+  <mc:AlternateContent xmlns:mc="http://schemas.openxmlformats.org/markup-compatibility/2006" xmlns:p14="http://schemas.microsoft.com/office/powerpoint/2010/main">
+    <mc:Choice Requires="p14">
       <p:transition spd="med" p14:dur="700">
         <p:fade/>
       </p:transition>
     </mc:Choice>
-    <mc:Fallback>
+    <mc:Fallback xmlns="">
       <p:transition spd="med">
         <p:fade/>
       </p:transition>
@@ -20736,8 +20681,8 @@
           </a:prstGeom>
         </p:spPr>
       </p:pic>
-      <mc:AlternateContent xmlns:mc="http://schemas.openxmlformats.org/markup-compatibility/2006">
-        <mc:Choice xmlns:a14="http://schemas.microsoft.com/office/drawing/2010/main" Requires="a14">
+      <mc:AlternateContent xmlns:mc="http://schemas.openxmlformats.org/markup-compatibility/2006" xmlns:a14="http://schemas.microsoft.com/office/drawing/2010/main">
+        <mc:Choice Requires="a14">
           <p:sp>
             <p:nvSpPr>
               <p:cNvPr id="7" name="ZoneTexte 6">
@@ -20804,7 +20749,7 @@
             </p:txBody>
           </p:sp>
         </mc:Choice>
-        <mc:Fallback>
+        <mc:Fallback xmlns="">
           <p:sp>
             <p:nvSpPr>
               <p:cNvPr id="7" name="ZoneTexte 6">
@@ -20888,8 +20833,8 @@
           </a:prstGeom>
         </p:spPr>
       </p:pic>
-      <mc:AlternateContent xmlns:mc="http://schemas.openxmlformats.org/markup-compatibility/2006">
-        <mc:Choice xmlns:a14="http://schemas.microsoft.com/office/drawing/2010/main" Requires="a14">
+      <mc:AlternateContent xmlns:mc="http://schemas.openxmlformats.org/markup-compatibility/2006" xmlns:a14="http://schemas.microsoft.com/office/drawing/2010/main">
+        <mc:Choice Requires="a14">
           <p:sp>
             <p:nvSpPr>
               <p:cNvPr id="12" name="ZoneTexte 11">
@@ -21189,7 +21134,7 @@
             </p:txBody>
           </p:sp>
         </mc:Choice>
-        <mc:Fallback>
+        <mc:Fallback xmlns="">
           <p:sp>
             <p:nvSpPr>
               <p:cNvPr id="12" name="ZoneTexte 11">
@@ -21341,13 +21286,13 @@
   <p:clrMapOvr>
     <a:masterClrMapping/>
   </p:clrMapOvr>
-  <mc:AlternateContent xmlns:mc="http://schemas.openxmlformats.org/markup-compatibility/2006">
-    <mc:Choice xmlns:p14="http://schemas.microsoft.com/office/powerpoint/2010/main" Requires="p14">
+  <mc:AlternateContent xmlns:mc="http://schemas.openxmlformats.org/markup-compatibility/2006" xmlns:p14="http://schemas.microsoft.com/office/powerpoint/2010/main">
+    <mc:Choice Requires="p14">
       <p:transition spd="med" p14:dur="700">
         <p:fade/>
       </p:transition>
     </mc:Choice>
-    <mc:Fallback>
+    <mc:Fallback xmlns="">
       <p:transition spd="med">
         <p:fade/>
       </p:transition>
@@ -21978,13 +21923,13 @@
   <p:clrMapOvr>
     <a:masterClrMapping/>
   </p:clrMapOvr>
-  <mc:AlternateContent xmlns:mc="http://schemas.openxmlformats.org/markup-compatibility/2006">
-    <mc:Choice xmlns:p14="http://schemas.microsoft.com/office/powerpoint/2010/main" Requires="p14">
+  <mc:AlternateContent xmlns:mc="http://schemas.openxmlformats.org/markup-compatibility/2006" xmlns:p14="http://schemas.microsoft.com/office/powerpoint/2010/main">
+    <mc:Choice Requires="p14">
       <p:transition spd="med" p14:dur="700">
         <p:fade/>
       </p:transition>
     </mc:Choice>
-    <mc:Fallback>
+    <mc:Fallback xmlns="">
       <p:transition spd="med">
         <p:fade/>
       </p:transition>
@@ -22335,13 +22280,13 @@
   <p:clrMapOvr>
     <a:masterClrMapping/>
   </p:clrMapOvr>
-  <mc:AlternateContent xmlns:mc="http://schemas.openxmlformats.org/markup-compatibility/2006">
-    <mc:Choice xmlns:p14="http://schemas.microsoft.com/office/powerpoint/2010/main" Requires="p14">
+  <mc:AlternateContent xmlns:mc="http://schemas.openxmlformats.org/markup-compatibility/2006" xmlns:p14="http://schemas.microsoft.com/office/powerpoint/2010/main">
+    <mc:Choice Requires="p14">
       <p:transition spd="med" p14:dur="700">
         <p:fade/>
       </p:transition>
     </mc:Choice>
-    <mc:Fallback>
+    <mc:Fallback xmlns="">
       <p:transition spd="med">
         <p:fade/>
       </p:transition>
@@ -22841,6 +22786,23 @@
             </a:r>
           </a:p>
           <a:p>
+            <a:endParaRPr lang="fr-FR" dirty="0"/>
+          </a:p>
+          <a:p>
+            <a:r>
+              <a:rPr lang="fr-FR" dirty="0"/>
+              <a:t>En entrée, on utilisera les matrices </a:t>
+            </a:r>
+            <a:r>
+              <a:rPr lang="fr-FR" dirty="0" err="1"/>
+              <a:t>tf-idf</a:t>
+            </a:r>
+            <a:r>
+              <a:rPr lang="fr-FR" dirty="0"/>
+              <a:t> créées par la LDA.</a:t>
+            </a:r>
+          </a:p>
+          <a:p>
             <a:pPr lvl="1"/>
             <a:endParaRPr lang="fr-FR" dirty="0"/>
           </a:p>
@@ -22901,13 +22863,13 @@
   <p:clrMapOvr>
     <a:masterClrMapping/>
   </p:clrMapOvr>
-  <mc:AlternateContent xmlns:mc="http://schemas.openxmlformats.org/markup-compatibility/2006">
-    <mc:Choice xmlns:p14="http://schemas.microsoft.com/office/powerpoint/2010/main" Requires="p14">
+  <mc:AlternateContent xmlns:mc="http://schemas.openxmlformats.org/markup-compatibility/2006" xmlns:p14="http://schemas.microsoft.com/office/powerpoint/2010/main">
+    <mc:Choice Requires="p14">
       <p:transition spd="med" p14:dur="700">
         <p:fade/>
       </p:transition>
     </mc:Choice>
-    <mc:Fallback>
+    <mc:Fallback xmlns="">
       <p:transition spd="med">
         <p:fade/>
       </p:transition>
@@ -23065,21 +23027,70 @@
                             </p:childTnLst>
                           </p:cTn>
                         </p:par>
+                      </p:childTnLst>
+                    </p:cTn>
+                  </p:par>
+                  <p:par>
+                    <p:cTn id="15" fill="hold">
+                      <p:stCondLst>
+                        <p:cond delay="indefinite"/>
+                      </p:stCondLst>
+                      <p:childTnLst>
                         <p:par>
-                          <p:cTn id="15" fill="hold">
+                          <p:cTn id="16" fill="hold">
                             <p:stCondLst>
                               <p:cond delay="0"/>
                             </p:stCondLst>
                             <p:childTnLst>
                               <p:par>
-                                <p:cTn id="16" presetID="1" presetClass="entr" presetSubtype="0" fill="hold" grpId="0" nodeType="afterEffect">
+                                <p:cTn id="17" presetID="1" presetClass="entr" presetSubtype="0" fill="hold" nodeType="clickEffect">
                                   <p:stCondLst>
                                     <p:cond delay="0"/>
                                   </p:stCondLst>
                                   <p:childTnLst>
                                     <p:set>
                                       <p:cBhvr>
-                                        <p:cTn id="17" dur="1" fill="hold">
+                                        <p:cTn id="18" dur="1" fill="hold">
+                                          <p:stCondLst>
+                                            <p:cond delay="0"/>
+                                          </p:stCondLst>
+                                        </p:cTn>
+                                        <p:tgtEl>
+                                          <p:spTgt spid="3">
+                                            <p:txEl>
+                                              <p:pRg st="4" end="4"/>
+                                            </p:txEl>
+                                          </p:spTgt>
+                                        </p:tgtEl>
+                                        <p:attrNameLst>
+                                          <p:attrName>style.visibility</p:attrName>
+                                        </p:attrNameLst>
+                                      </p:cBhvr>
+                                      <p:to>
+                                        <p:strVal val="visible"/>
+                                      </p:to>
+                                    </p:set>
+                                  </p:childTnLst>
+                                </p:cTn>
+                              </p:par>
+                            </p:childTnLst>
+                          </p:cTn>
+                        </p:par>
+                        <p:par>
+                          <p:cTn id="19" fill="hold">
+                            <p:stCondLst>
+                              <p:cond delay="0"/>
+                            </p:stCondLst>
+                            <p:childTnLst>
+                              <p:par>
+                                <p:cTn id="20" presetID="1" presetClass="entr" presetSubtype="0" fill="hold" grpId="0" nodeType="afterEffect">
+                                  <p:stCondLst>
+                                    <p:cond delay="0"/>
+                                  </p:stCondLst>
+                                  <p:childTnLst>
+                                    <p:set>
+                                      <p:cBhvr>
+                                        <p:cTn id="21" dur="1" fill="hold">
                                           <p:stCondLst>
                                             <p:cond delay="0"/>
                                           </p:stCondLst>
@@ -23714,13 +23725,13 @@
   <p:clrMapOvr>
     <a:masterClrMapping/>
   </p:clrMapOvr>
-  <mc:AlternateContent xmlns:mc="http://schemas.openxmlformats.org/markup-compatibility/2006">
-    <mc:Choice xmlns:p14="http://schemas.microsoft.com/office/powerpoint/2010/main" Requires="p14">
+  <mc:AlternateContent xmlns:mc="http://schemas.openxmlformats.org/markup-compatibility/2006" xmlns:p14="http://schemas.microsoft.com/office/powerpoint/2010/main">
+    <mc:Choice Requires="p14">
       <p:transition spd="med" p14:dur="700">
         <p:fade/>
       </p:transition>
     </mc:Choice>
-    <mc:Fallback>
+    <mc:Fallback xmlns="">
       <p:transition spd="med">
         <p:fade/>
       </p:transition>
@@ -25809,7 +25820,7 @@
                         </a:spcAft>
                       </a:pPr>
                       <a:r>
-                        <a:rPr lang="fr-FR" sz="2000" b="1">
+                        <a:rPr lang="fr-FR" sz="2000" b="1" dirty="0">
                           <a:solidFill>
                             <a:srgbClr val="FFFFFF"/>
                           </a:solidFill>
@@ -25820,7 +25831,7 @@
                         </a:rPr>
                         <a:t>Avec mots (sans tags)</a:t>
                       </a:r>
-                      <a:endParaRPr lang="fr-FR" sz="2000">
+                      <a:endParaRPr lang="fr-FR" sz="2000" dirty="0">
                         <a:effectLst/>
                         <a:latin typeface="Calibri" panose="020F0502020204030204" pitchFamily="34" charset="0"/>
                         <a:ea typeface="Times New Roman" panose="02020603050405020304" pitchFamily="18" charset="0"/>
@@ -26290,7 +26301,7 @@
         </p:nvSpPr>
         <p:spPr>
           <a:xfrm rot="5400000">
-            <a:off x="7773106" y="3007564"/>
+            <a:off x="7789375" y="3039549"/>
             <a:ext cx="527158" cy="4562974"/>
           </a:xfrm>
           <a:prstGeom prst="roundRect">
@@ -26328,6 +26339,220 @@
           </a:p>
         </p:txBody>
       </p:sp>
+      <p:sp>
+        <p:nvSpPr>
+          <p:cNvPr id="7" name="Rectangle : coins arrondis 6">
+            <a:extLst>
+              <a:ext uri="{FF2B5EF4-FFF2-40B4-BE49-F238E27FC236}">
+                <a16:creationId xmlns:a16="http://schemas.microsoft.com/office/drawing/2014/main" id="{2034B85E-F096-4DD0-9F8A-CDB28474108D}"/>
+              </a:ext>
+            </a:extLst>
+          </p:cNvPr>
+          <p:cNvSpPr/>
+          <p:nvPr/>
+        </p:nvSpPr>
+        <p:spPr>
+          <a:xfrm rot="5400000">
+            <a:off x="9086570" y="3486429"/>
+            <a:ext cx="295564" cy="2362796"/>
+          </a:xfrm>
+          <a:prstGeom prst="roundRect">
+            <a:avLst/>
+          </a:prstGeom>
+          <a:noFill/>
+          <a:ln w="38100">
+            <a:solidFill>
+              <a:srgbClr val="FF0000"/>
+            </a:solidFill>
+          </a:ln>
+        </p:spPr>
+        <p:style>
+          <a:lnRef idx="2">
+            <a:schemeClr val="accent1">
+              <a:shade val="50000"/>
+            </a:schemeClr>
+          </a:lnRef>
+          <a:fillRef idx="1">
+            <a:schemeClr val="accent1"/>
+          </a:fillRef>
+          <a:effectRef idx="0">
+            <a:schemeClr val="accent1"/>
+          </a:effectRef>
+          <a:fontRef idx="minor">
+            <a:schemeClr val="lt1"/>
+          </a:fontRef>
+        </p:style>
+        <p:txBody>
+          <a:bodyPr rtlCol="0" anchor="ctr"/>
+          <a:lstStyle/>
+          <a:p>
+            <a:pPr algn="ctr"/>
+            <a:endParaRPr lang="fr-FR"/>
+          </a:p>
+        </p:txBody>
+      </p:sp>
+      <p:sp>
+        <p:nvSpPr>
+          <p:cNvPr id="8" name="Ellipse 7">
+            <a:extLst>
+              <a:ext uri="{FF2B5EF4-FFF2-40B4-BE49-F238E27FC236}">
+                <a16:creationId xmlns:a16="http://schemas.microsoft.com/office/drawing/2014/main" id="{974A4277-6173-4D6E-B579-40DB747E0F7A}"/>
+              </a:ext>
+            </a:extLst>
+          </p:cNvPr>
+          <p:cNvSpPr/>
+          <p:nvPr/>
+        </p:nvSpPr>
+        <p:spPr>
+          <a:xfrm>
+            <a:off x="9479613" y="2606120"/>
+            <a:ext cx="2473036" cy="1589809"/>
+          </a:xfrm>
+          <a:prstGeom prst="ellipse">
+            <a:avLst/>
+          </a:prstGeom>
+        </p:spPr>
+        <p:style>
+          <a:lnRef idx="2">
+            <a:schemeClr val="accent1">
+              <a:shade val="50000"/>
+            </a:schemeClr>
+          </a:lnRef>
+          <a:fillRef idx="1">
+            <a:schemeClr val="accent1"/>
+          </a:fillRef>
+          <a:effectRef idx="0">
+            <a:schemeClr val="accent1"/>
+          </a:effectRef>
+          <a:fontRef idx="minor">
+            <a:schemeClr val="lt1"/>
+          </a:fontRef>
+        </p:style>
+        <p:txBody>
+          <a:bodyPr rtlCol="0" anchor="ctr"/>
+          <a:lstStyle/>
+          <a:p>
+            <a:pPr algn="ctr"/>
+            <a:r>
+              <a:rPr lang="fr-FR" dirty="0"/>
+              <a:t>3 seuils pour </a:t>
+            </a:r>
+            <a:r>
+              <a:rPr lang="fr-FR" dirty="0" err="1"/>
+              <a:t>min_df</a:t>
+            </a:r>
+            <a:endParaRPr lang="fr-FR" dirty="0"/>
+          </a:p>
+          <a:p>
+            <a:pPr algn="ctr"/>
+            <a:r>
+              <a:rPr lang="fr-FR" dirty="0"/>
+              <a:t>Sert à ignorer les termes peu fréquents</a:t>
+            </a:r>
+          </a:p>
+        </p:txBody>
+      </p:sp>
+      <p:sp>
+        <p:nvSpPr>
+          <p:cNvPr id="9" name="Rectangle : coins arrondis 8">
+            <a:extLst>
+              <a:ext uri="{FF2B5EF4-FFF2-40B4-BE49-F238E27FC236}">
+                <a16:creationId xmlns:a16="http://schemas.microsoft.com/office/drawing/2014/main" id="{A196BCE3-AE6B-4057-9432-640FCFF99818}"/>
+              </a:ext>
+            </a:extLst>
+          </p:cNvPr>
+          <p:cNvSpPr/>
+          <p:nvPr/>
+        </p:nvSpPr>
+        <p:spPr>
+          <a:xfrm rot="5400000">
+            <a:off x="7924676" y="2924540"/>
+            <a:ext cx="295564" cy="2814309"/>
+          </a:xfrm>
+          <a:prstGeom prst="roundRect">
+            <a:avLst/>
+          </a:prstGeom>
+          <a:noFill/>
+          <a:ln w="38100">
+            <a:solidFill>
+              <a:srgbClr val="FF0000"/>
+            </a:solidFill>
+          </a:ln>
+        </p:spPr>
+        <p:style>
+          <a:lnRef idx="2">
+            <a:schemeClr val="accent1">
+              <a:shade val="50000"/>
+            </a:schemeClr>
+          </a:lnRef>
+          <a:fillRef idx="1">
+            <a:schemeClr val="accent1"/>
+          </a:fillRef>
+          <a:effectRef idx="0">
+            <a:schemeClr val="accent1"/>
+          </a:effectRef>
+          <a:fontRef idx="minor">
+            <a:schemeClr val="lt1"/>
+          </a:fontRef>
+        </p:style>
+        <p:txBody>
+          <a:bodyPr rtlCol="0" anchor="ctr"/>
+          <a:lstStyle/>
+          <a:p>
+            <a:pPr algn="ctr"/>
+            <a:endParaRPr lang="fr-FR"/>
+          </a:p>
+        </p:txBody>
+      </p:sp>
+      <p:sp>
+        <p:nvSpPr>
+          <p:cNvPr id="10" name="Ellipse 9">
+            <a:extLst>
+              <a:ext uri="{FF2B5EF4-FFF2-40B4-BE49-F238E27FC236}">
+                <a16:creationId xmlns:a16="http://schemas.microsoft.com/office/drawing/2014/main" id="{239878BC-32FA-49EF-85E4-D1B220D3E4C2}"/>
+              </a:ext>
+            </a:extLst>
+          </p:cNvPr>
+          <p:cNvSpPr/>
+          <p:nvPr/>
+        </p:nvSpPr>
+        <p:spPr>
+          <a:xfrm>
+            <a:off x="3536437" y="2961409"/>
+            <a:ext cx="1990261" cy="1277368"/>
+          </a:xfrm>
+          <a:prstGeom prst="ellipse">
+            <a:avLst/>
+          </a:prstGeom>
+        </p:spPr>
+        <p:style>
+          <a:lnRef idx="2">
+            <a:schemeClr val="accent1">
+              <a:shade val="50000"/>
+            </a:schemeClr>
+          </a:lnRef>
+          <a:fillRef idx="1">
+            <a:schemeClr val="accent1"/>
+          </a:fillRef>
+          <a:effectRef idx="0">
+            <a:schemeClr val="accent1"/>
+          </a:effectRef>
+          <a:fontRef idx="minor">
+            <a:schemeClr val="lt1"/>
+          </a:fontRef>
+        </p:style>
+        <p:txBody>
+          <a:bodyPr rtlCol="0" anchor="ctr"/>
+          <a:lstStyle/>
+          <a:p>
+            <a:pPr algn="ctr"/>
+            <a:r>
+              <a:rPr lang="fr-FR" dirty="0"/>
+              <a:t>n est le nombre de topics créés par LDA</a:t>
+            </a:r>
+          </a:p>
+        </p:txBody>
+      </p:sp>
     </p:spTree>
     <p:extLst>
       <p:ext uri="{BB962C8B-B14F-4D97-AF65-F5344CB8AC3E}">
@@ -26338,13 +26563,13 @@
   <p:clrMapOvr>
     <a:masterClrMapping/>
   </p:clrMapOvr>
-  <mc:AlternateContent xmlns:mc="http://schemas.openxmlformats.org/markup-compatibility/2006">
-    <mc:Choice xmlns:p14="http://schemas.microsoft.com/office/powerpoint/2010/main" Requires="p14">
+  <mc:AlternateContent xmlns:mc="http://schemas.openxmlformats.org/markup-compatibility/2006" xmlns:p14="http://schemas.microsoft.com/office/powerpoint/2010/main">
+    <mc:Choice Requires="p14">
       <p:transition spd="med" p14:dur="700">
         <p:fade/>
       </p:transition>
     </mc:Choice>
-    <mc:Fallback>
+    <mc:Fallback xmlns="">
       <p:transition spd="med">
         <p:fade/>
       </p:transition>
@@ -26478,6 +26703,150 @@
                                           </p:stCondLst>
                                         </p:cTn>
                                         <p:tgtEl>
+                                          <p:spTgt spid="7"/>
+                                        </p:tgtEl>
+                                        <p:attrNameLst>
+                                          <p:attrName>style.visibility</p:attrName>
+                                        </p:attrNameLst>
+                                      </p:cBhvr>
+                                      <p:to>
+                                        <p:strVal val="visible"/>
+                                      </p:to>
+                                    </p:set>
+                                  </p:childTnLst>
+                                </p:cTn>
+                              </p:par>
+                              <p:par>
+                                <p:cTn id="15" presetID="1" presetClass="entr" presetSubtype="0" fill="hold" grpId="0" nodeType="withEffect">
+                                  <p:stCondLst>
+                                    <p:cond delay="0"/>
+                                  </p:stCondLst>
+                                  <p:childTnLst>
+                                    <p:set>
+                                      <p:cBhvr>
+                                        <p:cTn id="16" dur="1" fill="hold">
+                                          <p:stCondLst>
+                                            <p:cond delay="0"/>
+                                          </p:stCondLst>
+                                        </p:cTn>
+                                        <p:tgtEl>
+                                          <p:spTgt spid="8"/>
+                                        </p:tgtEl>
+                                        <p:attrNameLst>
+                                          <p:attrName>style.visibility</p:attrName>
+                                        </p:attrNameLst>
+                                      </p:cBhvr>
+                                      <p:to>
+                                        <p:strVal val="visible"/>
+                                      </p:to>
+                                    </p:set>
+                                  </p:childTnLst>
+                                </p:cTn>
+                              </p:par>
+                            </p:childTnLst>
+                          </p:cTn>
+                        </p:par>
+                      </p:childTnLst>
+                    </p:cTn>
+                  </p:par>
+                  <p:par>
+                    <p:cTn id="17" fill="hold">
+                      <p:stCondLst>
+                        <p:cond delay="indefinite"/>
+                      </p:stCondLst>
+                      <p:childTnLst>
+                        <p:par>
+                          <p:cTn id="18" fill="hold">
+                            <p:stCondLst>
+                              <p:cond delay="0"/>
+                            </p:stCondLst>
+                            <p:childTnLst>
+                              <p:par>
+                                <p:cTn id="19" presetID="1" presetClass="entr" presetSubtype="0" fill="hold" grpId="0" nodeType="clickEffect">
+                                  <p:stCondLst>
+                                    <p:cond delay="0"/>
+                                  </p:stCondLst>
+                                  <p:childTnLst>
+                                    <p:set>
+                                      <p:cBhvr>
+                                        <p:cTn id="20" dur="1" fill="hold">
+                                          <p:stCondLst>
+                                            <p:cond delay="0"/>
+                                          </p:stCondLst>
+                                        </p:cTn>
+                                        <p:tgtEl>
+                                          <p:spTgt spid="9"/>
+                                        </p:tgtEl>
+                                        <p:attrNameLst>
+                                          <p:attrName>style.visibility</p:attrName>
+                                        </p:attrNameLst>
+                                      </p:cBhvr>
+                                      <p:to>
+                                        <p:strVal val="visible"/>
+                                      </p:to>
+                                    </p:set>
+                                  </p:childTnLst>
+                                </p:cTn>
+                              </p:par>
+                              <p:par>
+                                <p:cTn id="21" presetID="1" presetClass="entr" presetSubtype="0" fill="hold" grpId="0" nodeType="withEffect">
+                                  <p:stCondLst>
+                                    <p:cond delay="0"/>
+                                  </p:stCondLst>
+                                  <p:childTnLst>
+                                    <p:set>
+                                      <p:cBhvr>
+                                        <p:cTn id="22" dur="1" fill="hold">
+                                          <p:stCondLst>
+                                            <p:cond delay="0"/>
+                                          </p:stCondLst>
+                                        </p:cTn>
+                                        <p:tgtEl>
+                                          <p:spTgt spid="10"/>
+                                        </p:tgtEl>
+                                        <p:attrNameLst>
+                                          <p:attrName>style.visibility</p:attrName>
+                                        </p:attrNameLst>
+                                      </p:cBhvr>
+                                      <p:to>
+                                        <p:strVal val="visible"/>
+                                      </p:to>
+                                    </p:set>
+                                  </p:childTnLst>
+                                </p:cTn>
+                              </p:par>
+                            </p:childTnLst>
+                          </p:cTn>
+                        </p:par>
+                      </p:childTnLst>
+                    </p:cTn>
+                  </p:par>
+                  <p:par>
+                    <p:cTn id="23" fill="hold">
+                      <p:stCondLst>
+                        <p:cond delay="indefinite"/>
+                      </p:stCondLst>
+                      <p:childTnLst>
+                        <p:par>
+                          <p:cTn id="24" fill="hold">
+                            <p:stCondLst>
+                              <p:cond delay="0"/>
+                            </p:stCondLst>
+                            <p:childTnLst>
+                              <p:par>
+                                <p:cTn id="25" presetID="1" presetClass="entr" presetSubtype="0" fill="hold" grpId="0" nodeType="clickEffect">
+                                  <p:stCondLst>
+                                    <p:cond delay="0"/>
+                                  </p:stCondLst>
+                                  <p:childTnLst>
+                                    <p:set>
+                                      <p:cBhvr>
+                                        <p:cTn id="26" dur="1" fill="hold">
+                                          <p:stCondLst>
+                                            <p:cond delay="0"/>
+                                          </p:stCondLst>
+                                        </p:cTn>
+                                        <p:tgtEl>
                                           <p:spTgt spid="6"/>
                                         </p:tgtEl>
                                         <p:attrNameLst>
@@ -26495,20 +26864,20 @@
                           </p:cTn>
                         </p:par>
                         <p:par>
-                          <p:cTn id="15" fill="hold">
+                          <p:cTn id="27" fill="hold">
                             <p:stCondLst>
                               <p:cond delay="0"/>
                             </p:stCondLst>
                             <p:childTnLst>
                               <p:par>
-                                <p:cTn id="16" presetID="1" presetClass="entr" presetSubtype="0" fill="hold" grpId="0" nodeType="afterEffect">
+                                <p:cTn id="28" presetID="1" presetClass="entr" presetSubtype="0" fill="hold" grpId="0" nodeType="afterEffect">
                                   <p:stCondLst>
                                     <p:cond delay="0"/>
                                   </p:stCondLst>
                                   <p:childTnLst>
                                     <p:set>
                                       <p:cBhvr>
-                                        <p:cTn id="17" dur="1" fill="hold">
+                                        <p:cTn id="29" dur="1" fill="hold">
                                           <p:stCondLst>
                                             <p:cond delay="0"/>
                                           </p:stCondLst>
@@ -26557,6 +26926,10 @@
     <p:bldLst>
       <p:bldP spid="4" grpId="0" animBg="1"/>
       <p:bldP spid="6" grpId="0" animBg="1"/>
+      <p:bldP spid="7" grpId="0" animBg="1"/>
+      <p:bldP spid="8" grpId="0" animBg="1"/>
+      <p:bldP spid="9" grpId="0" animBg="1"/>
+      <p:bldP spid="10" grpId="0" animBg="1"/>
     </p:bldLst>
   </p:timing>
 </p:sld>
@@ -27144,13 +27517,13 @@
   <p:clrMapOvr>
     <a:masterClrMapping/>
   </p:clrMapOvr>
-  <mc:AlternateContent xmlns:mc="http://schemas.openxmlformats.org/markup-compatibility/2006">
-    <mc:Choice xmlns:p14="http://schemas.microsoft.com/office/powerpoint/2010/main" Requires="p14">
+  <mc:AlternateContent xmlns:mc="http://schemas.openxmlformats.org/markup-compatibility/2006" xmlns:p14="http://schemas.microsoft.com/office/powerpoint/2010/main">
+    <mc:Choice Requires="p14">
       <p:transition spd="med" p14:dur="700">
         <p:fade/>
       </p:transition>
     </mc:Choice>
-    <mc:Fallback>
+    <mc:Fallback xmlns="">
       <p:transition spd="med">
         <p:fade/>
       </p:transition>
@@ -29787,13 +30160,13 @@
   <p:clrMapOvr>
     <a:masterClrMapping/>
   </p:clrMapOvr>
-  <mc:AlternateContent xmlns:mc="http://schemas.openxmlformats.org/markup-compatibility/2006">
-    <mc:Choice xmlns:p14="http://schemas.microsoft.com/office/powerpoint/2010/main" Requires="p14">
+  <mc:AlternateContent xmlns:mc="http://schemas.openxmlformats.org/markup-compatibility/2006" xmlns:p14="http://schemas.microsoft.com/office/powerpoint/2010/main">
+    <mc:Choice Requires="p14">
       <p:transition spd="med" p14:dur="700">
         <p:fade/>
       </p:transition>
     </mc:Choice>
-    <mc:Fallback>
+    <mc:Fallback xmlns="">
       <p:transition spd="med">
         <p:fade/>
       </p:transition>
@@ -30258,13 +30631,13 @@
   <p:clrMapOvr>
     <a:masterClrMapping/>
   </p:clrMapOvr>
-  <mc:AlternateContent xmlns:mc="http://schemas.openxmlformats.org/markup-compatibility/2006">
-    <mc:Choice xmlns:p14="http://schemas.microsoft.com/office/powerpoint/2010/main" Requires="p14">
+  <mc:AlternateContent xmlns:mc="http://schemas.openxmlformats.org/markup-compatibility/2006" xmlns:p14="http://schemas.microsoft.com/office/powerpoint/2010/main">
+    <mc:Choice Requires="p14">
       <p:transition spd="med" p14:dur="700">
         <p:fade/>
       </p:transition>
     </mc:Choice>
-    <mc:Fallback>
+    <mc:Fallback xmlns="">
       <p:transition spd="med">
         <p:fade/>
       </p:transition>
@@ -30792,13 +31165,13 @@
   <p:clrMapOvr>
     <a:masterClrMapping/>
   </p:clrMapOvr>
-  <mc:AlternateContent xmlns:mc="http://schemas.openxmlformats.org/markup-compatibility/2006">
-    <mc:Choice xmlns:p14="http://schemas.microsoft.com/office/powerpoint/2010/main" Requires="p14">
+  <mc:AlternateContent xmlns:mc="http://schemas.openxmlformats.org/markup-compatibility/2006" xmlns:p14="http://schemas.microsoft.com/office/powerpoint/2010/main">
+    <mc:Choice Requires="p14">
       <p:transition spd="med" p14:dur="700">
         <p:fade/>
       </p:transition>
     </mc:Choice>
-    <mc:Fallback>
+    <mc:Fallback xmlns="">
       <p:transition spd="med">
         <p:fade/>
       </p:transition>
@@ -35201,13 +35574,13 @@
   <p:clrMapOvr>
     <a:masterClrMapping/>
   </p:clrMapOvr>
-  <mc:AlternateContent xmlns:mc="http://schemas.openxmlformats.org/markup-compatibility/2006">
-    <mc:Choice xmlns:p14="http://schemas.microsoft.com/office/powerpoint/2010/main" Requires="p14">
+  <mc:AlternateContent xmlns:mc="http://schemas.openxmlformats.org/markup-compatibility/2006" xmlns:p14="http://schemas.microsoft.com/office/powerpoint/2010/main">
+    <mc:Choice Requires="p14">
       <p:transition spd="med" p14:dur="700">
         <p:fade/>
       </p:transition>
     </mc:Choice>
-    <mc:Fallback>
+    <mc:Fallback xmlns="">
       <p:transition spd="med">
         <p:fade/>
       </p:transition>
@@ -42130,13 +42503,13 @@
   <p:clrMapOvr>
     <a:masterClrMapping/>
   </p:clrMapOvr>
-  <mc:AlternateContent xmlns:mc="http://schemas.openxmlformats.org/markup-compatibility/2006">
-    <mc:Choice xmlns:p14="http://schemas.microsoft.com/office/powerpoint/2010/main" Requires="p14">
+  <mc:AlternateContent xmlns:mc="http://schemas.openxmlformats.org/markup-compatibility/2006" xmlns:p14="http://schemas.microsoft.com/office/powerpoint/2010/main">
+    <mc:Choice Requires="p14">
       <p:transition spd="med" p14:dur="700">
         <p:fade/>
       </p:transition>
     </mc:Choice>
-    <mc:Fallback>
+    <mc:Fallback xmlns="">
       <p:transition spd="med">
         <p:fade/>
       </p:transition>
@@ -42481,13 +42854,13 @@
   <p:clrMapOvr>
     <a:masterClrMapping/>
   </p:clrMapOvr>
-  <mc:AlternateContent xmlns:mc="http://schemas.openxmlformats.org/markup-compatibility/2006">
-    <mc:Choice xmlns:p14="http://schemas.microsoft.com/office/powerpoint/2010/main" Requires="p14">
+  <mc:AlternateContent xmlns:mc="http://schemas.openxmlformats.org/markup-compatibility/2006" xmlns:p14="http://schemas.microsoft.com/office/powerpoint/2010/main">
+    <mc:Choice Requires="p14">
       <p:transition spd="med" p14:dur="700">
         <p:fade/>
       </p:transition>
     </mc:Choice>
-    <mc:Fallback>
+    <mc:Fallback xmlns="">
       <p:transition spd="med">
         <p:fade/>
       </p:transition>
@@ -42769,13 +43142,13 @@
   <p:clrMapOvr>
     <a:overrideClrMapping bg1="dk1" tx1="lt1" bg2="dk2" tx2="lt2" accent1="accent1" accent2="accent2" accent3="accent3" accent4="accent4" accent5="accent5" accent6="accent6" hlink="hlink" folHlink="folHlink"/>
   </p:clrMapOvr>
-  <mc:AlternateContent xmlns:mc="http://schemas.openxmlformats.org/markup-compatibility/2006">
-    <mc:Choice xmlns:p14="http://schemas.microsoft.com/office/powerpoint/2010/main" Requires="p14">
+  <mc:AlternateContent xmlns:mc="http://schemas.openxmlformats.org/markup-compatibility/2006" xmlns:p14="http://schemas.microsoft.com/office/powerpoint/2010/main">
+    <mc:Choice Requires="p14">
       <p:transition spd="med" p14:dur="700">
         <p:fade/>
       </p:transition>
     </mc:Choice>
-    <mc:Fallback>
+    <mc:Fallback xmlns="">
       <p:transition spd="med">
         <p:fade/>
       </p:transition>
@@ -43184,13 +43557,13 @@
   <p:clrMapOvr>
     <a:masterClrMapping/>
   </p:clrMapOvr>
-  <mc:AlternateContent xmlns:mc="http://schemas.openxmlformats.org/markup-compatibility/2006">
-    <mc:Choice xmlns:p14="http://schemas.microsoft.com/office/powerpoint/2010/main" Requires="p14">
+  <mc:AlternateContent xmlns:mc="http://schemas.openxmlformats.org/markup-compatibility/2006" xmlns:p14="http://schemas.microsoft.com/office/powerpoint/2010/main">
+    <mc:Choice Requires="p14">
       <p:transition spd="med" p14:dur="700">
         <p:fade/>
       </p:transition>
     </mc:Choice>
-    <mc:Fallback>
+    <mc:Fallback xmlns="">
       <p:transition spd="med">
         <p:fade/>
       </p:transition>
@@ -43529,13 +43902,13 @@
   <p:clrMapOvr>
     <a:masterClrMapping/>
   </p:clrMapOvr>
-  <mc:AlternateContent xmlns:mc="http://schemas.openxmlformats.org/markup-compatibility/2006">
-    <mc:Choice xmlns:p14="http://schemas.microsoft.com/office/powerpoint/2010/main" Requires="p14">
+  <mc:AlternateContent xmlns:mc="http://schemas.openxmlformats.org/markup-compatibility/2006" xmlns:p14="http://schemas.microsoft.com/office/powerpoint/2010/main">
+    <mc:Choice Requires="p14">
       <p:transition spd="med" p14:dur="700">
         <p:fade/>
       </p:transition>
     </mc:Choice>
-    <mc:Fallback>
+    <mc:Fallback xmlns="">
       <p:transition spd="med">
         <p:fade/>
       </p:transition>
@@ -43710,13 +44083,13 @@
   <p:clrMapOvr>
     <a:masterClrMapping/>
   </p:clrMapOvr>
-  <mc:AlternateContent xmlns:mc="http://schemas.openxmlformats.org/markup-compatibility/2006">
-    <mc:Choice xmlns:p14="http://schemas.microsoft.com/office/powerpoint/2010/main" Requires="p14">
+  <mc:AlternateContent xmlns:mc="http://schemas.openxmlformats.org/markup-compatibility/2006" xmlns:p14="http://schemas.microsoft.com/office/powerpoint/2010/main">
+    <mc:Choice Requires="p14">
       <p:transition spd="med" p14:dur="700">
         <p:fade/>
       </p:transition>
     </mc:Choice>
-    <mc:Fallback>
+    <mc:Fallback xmlns="">
       <p:transition spd="med">
         <p:fade/>
       </p:transition>
@@ -44293,13 +44666,13 @@
   <p:clrMapOvr>
     <a:masterClrMapping/>
   </p:clrMapOvr>
-  <mc:AlternateContent xmlns:mc="http://schemas.openxmlformats.org/markup-compatibility/2006">
-    <mc:Choice xmlns:p14="http://schemas.microsoft.com/office/powerpoint/2010/main" Requires="p14">
+  <mc:AlternateContent xmlns:mc="http://schemas.openxmlformats.org/markup-compatibility/2006" xmlns:p14="http://schemas.microsoft.com/office/powerpoint/2010/main">
+    <mc:Choice Requires="p14">
       <p:transition spd="med" p14:dur="700">
         <p:fade/>
       </p:transition>
     </mc:Choice>
-    <mc:Fallback>
+    <mc:Fallback xmlns="">
       <p:transition spd="med">
         <p:fade/>
       </p:transition>
@@ -44653,13 +45026,13 @@
   <p:clrMapOvr>
     <a:masterClrMapping/>
   </p:clrMapOvr>
-  <mc:AlternateContent xmlns:mc="http://schemas.openxmlformats.org/markup-compatibility/2006">
-    <mc:Choice xmlns:p14="http://schemas.microsoft.com/office/powerpoint/2010/main" Requires="p14">
+  <mc:AlternateContent xmlns:mc="http://schemas.openxmlformats.org/markup-compatibility/2006" xmlns:p14="http://schemas.microsoft.com/office/powerpoint/2010/main">
+    <mc:Choice Requires="p14">
       <p:transition spd="med" p14:dur="700">
         <p:fade/>
       </p:transition>
     </mc:Choice>
-    <mc:Fallback>
+    <mc:Fallback xmlns="">
       <p:transition spd="med">
         <p:fade/>
       </p:transition>
@@ -44840,13 +45213,13 @@
   <p:clrMapOvr>
     <a:masterClrMapping/>
   </p:clrMapOvr>
-  <mc:AlternateContent xmlns:mc="http://schemas.openxmlformats.org/markup-compatibility/2006">
-    <mc:Choice xmlns:p14="http://schemas.microsoft.com/office/powerpoint/2010/main" Requires="p14">
+  <mc:AlternateContent xmlns:mc="http://schemas.openxmlformats.org/markup-compatibility/2006" xmlns:p14="http://schemas.microsoft.com/office/powerpoint/2010/main">
+    <mc:Choice Requires="p14">
       <p:transition spd="med" p14:dur="700">
         <p:fade/>
       </p:transition>
     </mc:Choice>
-    <mc:Fallback>
+    <mc:Fallback xmlns="">
       <p:transition spd="med">
         <p:fade/>
       </p:transition>
@@ -44937,7 +45310,7 @@
                                         <p:tgtEl>
                                           <p:spTgt spid="3">
                                             <p:txEl>
-                                              <p:charRg st="19" end="55"/>
+                                              <p:pRg st="1" end="1"/>
                                             </p:txEl>
                                           </p:spTgt>
                                         </p:tgtEl>
@@ -44986,7 +45359,7 @@
                                         <p:tgtEl>
                                           <p:spTgt spid="3">
                                             <p:txEl>
-                                              <p:charRg st="55" end="68"/>
+                                              <p:pRg st="2" end="2"/>
                                             </p:txEl>
                                           </p:spTgt>
                                         </p:tgtEl>
@@ -45035,7 +45408,7 @@
                                         <p:tgtEl>
                                           <p:spTgt spid="3">
                                             <p:txEl>
-                                              <p:charRg st="68" end="108"/>
+                                              <p:pRg st="3" end="3"/>
                                             </p:txEl>
                                           </p:spTgt>
                                         </p:tgtEl>
@@ -45084,7 +45457,7 @@
                                         <p:tgtEl>
                                           <p:spTgt spid="3">
                                             <p:txEl>
-                                              <p:charRg st="108" end="122"/>
+                                              <p:pRg st="4" end="4"/>
                                             </p:txEl>
                                           </p:spTgt>
                                         </p:tgtEl>
@@ -45133,7 +45506,7 @@
                                         <p:tgtEl>
                                           <p:spTgt spid="3">
                                             <p:txEl>
-                                              <p:charRg st="122" end="165"/>
+                                              <p:pRg st="5" end="5"/>
                                             </p:txEl>
                                           </p:spTgt>
                                         </p:tgtEl>
@@ -45182,7 +45555,7 @@
                                         <p:tgtEl>
                                           <p:spTgt spid="3">
                                             <p:txEl>
-                                              <p:charRg st="165" end="175"/>
+                                              <p:pRg st="6" end="6"/>
                                             </p:txEl>
                                           </p:spTgt>
                                         </p:tgtEl>
@@ -45347,13 +45720,13 @@
   <p:clrMapOvr>
     <a:masterClrMapping/>
   </p:clrMapOvr>
-  <mc:AlternateContent xmlns:mc="http://schemas.openxmlformats.org/markup-compatibility/2006">
-    <mc:Choice xmlns:p14="http://schemas.microsoft.com/office/powerpoint/2010/main" Requires="p14">
+  <mc:AlternateContent xmlns:mc="http://schemas.openxmlformats.org/markup-compatibility/2006" xmlns:p14="http://schemas.microsoft.com/office/powerpoint/2010/main">
+    <mc:Choice Requires="p14">
       <p:transition spd="med" p14:dur="700">
         <p:fade/>
       </p:transition>
     </mc:Choice>
-    <mc:Fallback>
+    <mc:Fallback xmlns="">
       <p:transition spd="med">
         <p:fade/>
       </p:transition>
@@ -45533,13 +45906,13 @@
   <p:clrMapOvr>
     <a:masterClrMapping/>
   </p:clrMapOvr>
-  <mc:AlternateContent xmlns:mc="http://schemas.openxmlformats.org/markup-compatibility/2006">
-    <mc:Choice xmlns:p14="http://schemas.microsoft.com/office/powerpoint/2010/main" Requires="p14">
+  <mc:AlternateContent xmlns:mc="http://schemas.openxmlformats.org/markup-compatibility/2006" xmlns:p14="http://schemas.microsoft.com/office/powerpoint/2010/main">
+    <mc:Choice Requires="p14">
       <p:transition spd="med" p14:dur="700">
         <p:fade/>
       </p:transition>
     </mc:Choice>
-    <mc:Fallback>
+    <mc:Fallback xmlns="">
       <p:transition spd="med">
         <p:fade/>
       </p:transition>
@@ -46104,13 +46477,13 @@
   <p:clrMapOvr>
     <a:masterClrMapping/>
   </p:clrMapOvr>
-  <mc:AlternateContent xmlns:mc="http://schemas.openxmlformats.org/markup-compatibility/2006">
-    <mc:Choice xmlns:p14="http://schemas.microsoft.com/office/powerpoint/2010/main" Requires="p14">
+  <mc:AlternateContent xmlns:mc="http://schemas.openxmlformats.org/markup-compatibility/2006" xmlns:p14="http://schemas.microsoft.com/office/powerpoint/2010/main">
+    <mc:Choice Requires="p14">
       <p:transition spd="med" p14:dur="700">
         <p:fade/>
       </p:transition>
     </mc:Choice>
-    <mc:Fallback>
+    <mc:Fallback xmlns="">
       <p:transition spd="med">
         <p:fade/>
       </p:transition>
@@ -46662,13 +47035,13 @@
   <p:clrMapOvr>
     <a:masterClrMapping/>
   </p:clrMapOvr>
-  <mc:AlternateContent xmlns:mc="http://schemas.openxmlformats.org/markup-compatibility/2006">
-    <mc:Choice xmlns:p14="http://schemas.microsoft.com/office/powerpoint/2010/main" Requires="p14">
+  <mc:AlternateContent xmlns:mc="http://schemas.openxmlformats.org/markup-compatibility/2006" xmlns:p14="http://schemas.microsoft.com/office/powerpoint/2010/main">
+    <mc:Choice Requires="p14">
       <p:transition spd="med" p14:dur="700">
         <p:fade/>
       </p:transition>
     </mc:Choice>
-    <mc:Fallback>
+    <mc:Fallback xmlns="">
       <p:transition spd="med">
         <p:fade/>
       </p:transition>
@@ -47333,13 +47706,13 @@
   <p:clrMapOvr>
     <a:masterClrMapping/>
   </p:clrMapOvr>
-  <mc:AlternateContent xmlns:mc="http://schemas.openxmlformats.org/markup-compatibility/2006">
-    <mc:Choice xmlns:p14="http://schemas.microsoft.com/office/powerpoint/2010/main" Requires="p14">
+  <mc:AlternateContent xmlns:mc="http://schemas.openxmlformats.org/markup-compatibility/2006" xmlns:p14="http://schemas.microsoft.com/office/powerpoint/2010/main">
+    <mc:Choice Requires="p14">
       <p:transition spd="med" p14:dur="700">
         <p:fade/>
       </p:transition>
     </mc:Choice>
-    <mc:Fallback>
+    <mc:Fallback xmlns="">
       <p:transition spd="med">
         <p:fade/>
       </p:transition>
